--- a/Chap/OOProg03/Presentations/Proxy.pptx
+++ b/Chap/OOProg03/Presentations/Proxy.pptx
@@ -272,7 +272,7 @@
           <a:p>
             <a:fld id="{E15B7D8E-2A20-4C0E-991C-872DBB7459A8}" type="datetimeFigureOut">
               <a:rPr lang="da-DK" smtClean="0"/>
-              <a:t>16-04-2018</a:t>
+              <a:t>04-11-2018</a:t>
             </a:fld>
             <a:endParaRPr lang="da-DK"/>
           </a:p>
@@ -442,7 +442,7 @@
           <a:p>
             <a:fld id="{E15B7D8E-2A20-4C0E-991C-872DBB7459A8}" type="datetimeFigureOut">
               <a:rPr lang="da-DK" smtClean="0"/>
-              <a:t>16-04-2018</a:t>
+              <a:t>04-11-2018</a:t>
             </a:fld>
             <a:endParaRPr lang="da-DK"/>
           </a:p>
@@ -622,7 +622,7 @@
           <a:p>
             <a:fld id="{E15B7D8E-2A20-4C0E-991C-872DBB7459A8}" type="datetimeFigureOut">
               <a:rPr lang="da-DK" smtClean="0"/>
-              <a:t>16-04-2018</a:t>
+              <a:t>04-11-2018</a:t>
             </a:fld>
             <a:endParaRPr lang="da-DK"/>
           </a:p>
@@ -792,7 +792,7 @@
           <a:p>
             <a:fld id="{E15B7D8E-2A20-4C0E-991C-872DBB7459A8}" type="datetimeFigureOut">
               <a:rPr lang="da-DK" smtClean="0"/>
-              <a:t>16-04-2018</a:t>
+              <a:t>04-11-2018</a:t>
             </a:fld>
             <a:endParaRPr lang="da-DK"/>
           </a:p>
@@ -1038,7 +1038,7 @@
           <a:p>
             <a:fld id="{E15B7D8E-2A20-4C0E-991C-872DBB7459A8}" type="datetimeFigureOut">
               <a:rPr lang="da-DK" smtClean="0"/>
-              <a:t>16-04-2018</a:t>
+              <a:t>04-11-2018</a:t>
             </a:fld>
             <a:endParaRPr lang="da-DK"/>
           </a:p>
@@ -1270,7 +1270,7 @@
           <a:p>
             <a:fld id="{E15B7D8E-2A20-4C0E-991C-872DBB7459A8}" type="datetimeFigureOut">
               <a:rPr lang="da-DK" smtClean="0"/>
-              <a:t>16-04-2018</a:t>
+              <a:t>04-11-2018</a:t>
             </a:fld>
             <a:endParaRPr lang="da-DK"/>
           </a:p>
@@ -1637,7 +1637,7 @@
           <a:p>
             <a:fld id="{E15B7D8E-2A20-4C0E-991C-872DBB7459A8}" type="datetimeFigureOut">
               <a:rPr lang="da-DK" smtClean="0"/>
-              <a:t>16-04-2018</a:t>
+              <a:t>04-11-2018</a:t>
             </a:fld>
             <a:endParaRPr lang="da-DK"/>
           </a:p>
@@ -1755,7 +1755,7 @@
           <a:p>
             <a:fld id="{E15B7D8E-2A20-4C0E-991C-872DBB7459A8}" type="datetimeFigureOut">
               <a:rPr lang="da-DK" smtClean="0"/>
-              <a:t>16-04-2018</a:t>
+              <a:t>04-11-2018</a:t>
             </a:fld>
             <a:endParaRPr lang="da-DK"/>
           </a:p>
@@ -1850,7 +1850,7 @@
           <a:p>
             <a:fld id="{E15B7D8E-2A20-4C0E-991C-872DBB7459A8}" type="datetimeFigureOut">
               <a:rPr lang="da-DK" smtClean="0"/>
-              <a:t>16-04-2018</a:t>
+              <a:t>04-11-2018</a:t>
             </a:fld>
             <a:endParaRPr lang="da-DK"/>
           </a:p>
@@ -2127,7 +2127,7 @@
           <a:p>
             <a:fld id="{E15B7D8E-2A20-4C0E-991C-872DBB7459A8}" type="datetimeFigureOut">
               <a:rPr lang="da-DK" smtClean="0"/>
-              <a:t>16-04-2018</a:t>
+              <a:t>04-11-2018</a:t>
             </a:fld>
             <a:endParaRPr lang="da-DK"/>
           </a:p>
@@ -2380,7 +2380,7 @@
           <a:p>
             <a:fld id="{E15B7D8E-2A20-4C0E-991C-872DBB7459A8}" type="datetimeFigureOut">
               <a:rPr lang="da-DK" smtClean="0"/>
-              <a:t>16-04-2018</a:t>
+              <a:t>04-11-2018</a:t>
             </a:fld>
             <a:endParaRPr lang="da-DK"/>
           </a:p>
@@ -2593,7 +2593,7 @@
           <a:p>
             <a:fld id="{E15B7D8E-2A20-4C0E-991C-872DBB7459A8}" type="datetimeFigureOut">
               <a:rPr lang="da-DK" smtClean="0"/>
-              <a:t>16-04-2018</a:t>
+              <a:t>04-11-2018</a:t>
             </a:fld>
             <a:endParaRPr lang="da-DK"/>
           </a:p>
@@ -12892,7 +12892,7 @@
               <a:t>      // </a:t>
             </a:r>
             <a:r>
-              <a:rPr lang="da-DK" sz="2400" b="1">
+              <a:rPr lang="da-DK" sz="2400" b="1" smtClean="0">
                 <a:solidFill>
                   <a:schemeClr val="accent6">
                     <a:lumMod val="75000"/>
@@ -12900,7 +12900,7 @@
                 </a:solidFill>
                 <a:latin typeface="Consolas" panose="020B0609020204030204" pitchFamily="49" charset="0"/>
               </a:rPr>
-              <a:t>Code for calculation</a:t>
+              <a:t>...</a:t>
             </a:r>
             <a:endParaRPr lang="da-DK" sz="2400" b="1">
               <a:latin typeface="Consolas" panose="020B0609020204030204" pitchFamily="49" charset="0"/>
